--- a/SlidePresentazione.pptx
+++ b/SlidePresentazione.pptx
@@ -26948,8 +26948,8 @@
         </p:blipFill>
         <p:spPr>
           <a:xfrm>
-            <a:off x="834039" y="1115683"/>
-            <a:ext cx="7475921" cy="3177480"/>
+            <a:off x="698900" y="1109377"/>
+            <a:ext cx="7746199" cy="3292356"/>
           </a:xfrm>
           <a:prstGeom prst="roundRect">
             <a:avLst>
@@ -27751,8 +27751,8 @@
         </p:nvSpPr>
         <p:spPr>
           <a:xfrm>
-            <a:off x="1387948" y="4325304"/>
-            <a:ext cx="3052314" cy="584775"/>
+            <a:off x="6839373" y="2081847"/>
+            <a:ext cx="2061547" cy="338554"/>
           </a:xfrm>
           <a:prstGeom prst="rect">
             <a:avLst/>
@@ -27803,31 +27803,6 @@
               <a:t>ade</a:t>
             </a:r>
           </a:p>
-          <a:p>
-            <a:pPr marL="285750" indent="-285750">
-              <a:buFont typeface="Arial" panose="020B0604020202020204" pitchFamily="34" charset="0"/>
-              <a:buChar char="•"/>
-            </a:pPr>
-            <a:r>
-              <a:rPr lang="en" sz="1600" dirty="0">
-                <a:solidFill>
-                  <a:schemeClr val="dk1"/>
-                </a:solidFill>
-                <a:latin typeface="Space Grotesk Medium"/>
-                <a:cs typeface="Space Grotesk Medium"/>
-                <a:sym typeface="Space Grotesk Medium"/>
-              </a:rPr>
-              <a:t>Tecnologia SPRING</a:t>
-            </a:r>
-            <a:endParaRPr lang="it-IT" sz="1600" dirty="0">
-              <a:solidFill>
-                <a:schemeClr val="dk1"/>
-              </a:solidFill>
-              <a:latin typeface="Space Grotesk Medium"/>
-              <a:cs typeface="Space Grotesk Medium"/>
-              <a:sym typeface="Space Grotesk Medium"/>
-            </a:endParaRPr>
-          </a:p>
         </p:txBody>
       </p:sp>
       <p:sp>
@@ -27844,8 +27819,8 @@
         </p:nvSpPr>
         <p:spPr>
           <a:xfrm>
-            <a:off x="4440262" y="4325305"/>
-            <a:ext cx="3490288" cy="338554"/>
+            <a:off x="6839373" y="3544886"/>
+            <a:ext cx="2304627" cy="584775"/>
           </a:xfrm>
           <a:prstGeom prst="rect">
             <a:avLst/>
@@ -27891,20 +27866,78 @@
           <p:nvPr/>
         </p:nvPicPr>
         <p:blipFill rotWithShape="1">
-          <a:blip r:embed="rId3"/>
+          <a:blip r:embed="rId3">
+            <a:alphaModFix/>
+          </a:blip>
           <a:srcRect l="9923" t="14836" r="10167" b="18545"/>
           <a:stretch/>
         </p:blipFill>
         <p:spPr>
           <a:xfrm>
-            <a:off x="1491709" y="981867"/>
-            <a:ext cx="6160581" cy="3398403"/>
+            <a:off x="243080" y="1030671"/>
+            <a:ext cx="6565306" cy="3621664"/>
+          </a:xfrm>
+          <a:prstGeom prst="roundRect">
+            <a:avLst>
+              <a:gd name="adj" fmla="val 8416"/>
+            </a:avLst>
+          </a:prstGeom>
+        </p:spPr>
+      </p:pic>
+      <p:sp>
+        <p:nvSpPr>
+          <p:cNvPr id="4" name="CasellaDiTesto 3">
+            <a:extLst>
+              <a:ext uri="{FF2B5EF4-FFF2-40B4-BE49-F238E27FC236}">
+                <a16:creationId xmlns:a16="http://schemas.microsoft.com/office/drawing/2014/main" id="{37931E75-F0CE-AD36-C5EB-9AF86C727521}"/>
+              </a:ext>
+            </a:extLst>
+          </p:cNvPr>
+          <p:cNvSpPr txBox="1"/>
+          <p:nvPr/>
+        </p:nvSpPr>
+        <p:spPr>
+          <a:xfrm>
+            <a:off x="6839373" y="2841503"/>
+            <a:ext cx="2392298" cy="338554"/>
           </a:xfrm>
           <a:prstGeom prst="rect">
             <a:avLst/>
           </a:prstGeom>
+          <a:noFill/>
         </p:spPr>
-      </p:pic>
+        <p:txBody>
+          <a:bodyPr wrap="square">
+            <a:spAutoFit/>
+          </a:bodyPr>
+          <a:lstStyle/>
+          <a:p>
+            <a:pPr marL="285750" indent="-285750">
+              <a:buFont typeface="Arial" panose="020B0604020202020204" pitchFamily="34" charset="0"/>
+              <a:buChar char="•"/>
+            </a:pPr>
+            <a:r>
+              <a:rPr lang="en" sz="1600" dirty="0">
+                <a:solidFill>
+                  <a:schemeClr val="dk1"/>
+                </a:solidFill>
+                <a:latin typeface="Space Grotesk Medium"/>
+                <a:cs typeface="Space Grotesk Medium"/>
+                <a:sym typeface="Space Grotesk Medium"/>
+              </a:rPr>
+              <a:t>Tecnologia SPRING</a:t>
+            </a:r>
+            <a:endParaRPr lang="it-IT" sz="1600" dirty="0">
+              <a:solidFill>
+                <a:schemeClr val="dk1"/>
+              </a:solidFill>
+              <a:latin typeface="Space Grotesk Medium"/>
+              <a:cs typeface="Space Grotesk Medium"/>
+              <a:sym typeface="Space Grotesk Medium"/>
+            </a:endParaRPr>
+          </a:p>
+        </p:txBody>
+      </p:sp>
     </p:spTree>
     <p:extLst>
       <p:ext uri="{BB962C8B-B14F-4D97-AF65-F5344CB8AC3E}">
